--- a/DKW-Logo.pptx
+++ b/DKW-Logo.pptx
@@ -6,26 +6,27 @@
   </p:sldMasterIdLst>
   <p:sldIdLst>
     <p:sldId id="257" r:id="rId2"/>
+    <p:sldId id="258" r:id="rId3"/>
   </p:sldIdLst>
   <p:sldSz cx="3840163" cy="3657600"/>
   <p:notesSz cx="6858000" cy="9144000"/>
   <p:embeddedFontLst>
     <p:embeddedFont>
       <p:font typeface="Barlow Bold" pitchFamily="2" charset="77"/>
-      <p:regular r:id="rId3"/>
-      <p:bold r:id="rId4"/>
+      <p:regular r:id="rId4"/>
+      <p:bold r:id="rId5"/>
     </p:embeddedFont>
     <p:embeddedFont>
       <p:font typeface="Barlow Medium Bold" pitchFamily="2" charset="77"/>
-      <p:regular r:id="rId5"/>
-      <p:bold r:id="rId6"/>
+      <p:regular r:id="rId6"/>
+      <p:bold r:id="rId7"/>
     </p:embeddedFont>
     <p:embeddedFont>
       <p:font typeface="Calibri" panose="020F0502020204030204" pitchFamily="34" charset="0"/>
-      <p:regular r:id="rId7"/>
-      <p:bold r:id="rId8"/>
-      <p:italic r:id="rId9"/>
-      <p:boldItalic r:id="rId10"/>
+      <p:regular r:id="rId8"/>
+      <p:bold r:id="rId9"/>
+      <p:italic r:id="rId10"/>
+      <p:boldItalic r:id="rId11"/>
     </p:embeddedFont>
   </p:embeddedFontLst>
   <p:defaultTextStyle>
@@ -3410,6 +3411,393 @@
 </p:sld>
 </file>
 
+<file path=ppt/slides/slide2.xml><?xml version="1.0" encoding="utf-8"?>
+<p:sld xmlns:a="http://schemas.openxmlformats.org/drawingml/2006/main" xmlns:r="http://schemas.openxmlformats.org/officeDocument/2006/relationships" xmlns:p="http://schemas.openxmlformats.org/presentationml/2006/main">
+  <p:cSld>
+    <p:bg>
+      <p:bgPr>
+        <a:solidFill>
+          <a:schemeClr val="tx1"/>
+        </a:solidFill>
+        <a:effectLst/>
+      </p:bgPr>
+    </p:bg>
+    <p:spTree>
+      <p:nvGrpSpPr>
+        <p:cNvPr id="1" name=""/>
+        <p:cNvGrpSpPr/>
+        <p:nvPr/>
+      </p:nvGrpSpPr>
+      <p:grpSpPr>
+        <a:xfrm>
+          <a:off x="0" y="0"/>
+          <a:ext cx="0" cy="0"/>
+          <a:chOff x="0" y="0"/>
+          <a:chExt cx="0" cy="0"/>
+        </a:xfrm>
+      </p:grpSpPr>
+      <p:pic>
+        <p:nvPicPr>
+          <p:cNvPr id="2" name="Picture 2"/>
+          <p:cNvPicPr>
+            <a:picLocks noChangeAspect="1"/>
+          </p:cNvPicPr>
+          <p:nvPr/>
+        </p:nvPicPr>
+        <p:blipFill>
+          <a:blip r:embed="rId2">
+            <a:extLst>
+              <a:ext uri="{28A0092B-C50C-407E-A947-70E740481C1C}">
+                <a14:useLocalDpi xmlns:a14="http://schemas.microsoft.com/office/drawing/2010/main" val="0"/>
+              </a:ext>
+              <a:ext uri="{96DAC541-7B7A-43D3-8B79-37D633B846F1}">
+                <asvg:svgBlip xmlns:asvg="http://schemas.microsoft.com/office/drawing/2016/SVG/main" r:embed="rId3"/>
+              </a:ext>
+            </a:extLst>
+          </a:blip>
+          <a:srcRect/>
+          <a:stretch>
+            <a:fillRect/>
+          </a:stretch>
+        </p:blipFill>
+        <p:spPr>
+          <a:xfrm>
+            <a:off x="2573730" y="1022163"/>
+            <a:ext cx="751902" cy="679137"/>
+          </a:xfrm>
+          <a:prstGeom prst="rect">
+            <a:avLst/>
+          </a:prstGeom>
+        </p:spPr>
+      </p:pic>
+      <p:sp>
+        <p:nvSpPr>
+          <p:cNvPr id="3" name="TextBox 3"/>
+          <p:cNvSpPr txBox="1"/>
+          <p:nvPr/>
+        </p:nvSpPr>
+        <p:spPr>
+          <a:xfrm>
+            <a:off x="451431" y="689405"/>
+            <a:ext cx="2548054" cy="1224438"/>
+          </a:xfrm>
+          <a:prstGeom prst="rect">
+            <a:avLst/>
+          </a:prstGeom>
+        </p:spPr>
+        <p:txBody>
+          <a:bodyPr lIns="0" tIns="0" rIns="0" bIns="0" rtlCol="0" anchor="t">
+            <a:spAutoFit/>
+          </a:bodyPr>
+          <a:lstStyle/>
+          <a:p>
+            <a:pPr>
+              <a:lnSpc>
+                <a:spcPts val="10662"/>
+              </a:lnSpc>
+            </a:pPr>
+            <a:r>
+              <a:rPr lang="en-US" sz="7615" dirty="0">
+                <a:solidFill>
+                  <a:schemeClr val="bg1"/>
+                </a:solidFill>
+                <a:latin typeface="Barlow Bold"/>
+              </a:rPr>
+              <a:t>D</a:t>
+            </a:r>
+            <a:r>
+              <a:rPr lang="en-US" sz="7615" dirty="0">
+                <a:solidFill>
+                  <a:srgbClr val="F46530"/>
+                </a:solidFill>
+                <a:latin typeface="Barlow Bold"/>
+              </a:rPr>
+              <a:t>K</a:t>
+            </a:r>
+            <a:r>
+              <a:rPr lang="en-US" sz="7615" dirty="0">
+                <a:solidFill>
+                  <a:schemeClr val="bg1"/>
+                </a:solidFill>
+                <a:latin typeface="Barlow Bold"/>
+              </a:rPr>
+              <a:t>W</a:t>
+            </a:r>
+          </a:p>
+        </p:txBody>
+      </p:sp>
+      <p:sp>
+        <p:nvSpPr>
+          <p:cNvPr id="4" name="TextBox 4"/>
+          <p:cNvSpPr txBox="1"/>
+          <p:nvPr/>
+        </p:nvSpPr>
+        <p:spPr>
+          <a:xfrm>
+            <a:off x="609068" y="1880152"/>
+            <a:ext cx="3195167" cy="286810"/>
+          </a:xfrm>
+          <a:prstGeom prst="rect">
+            <a:avLst/>
+          </a:prstGeom>
+        </p:spPr>
+        <p:txBody>
+          <a:bodyPr wrap="square" lIns="0" tIns="0" rIns="0" bIns="0" rtlCol="0" anchor="t">
+            <a:spAutoFit/>
+          </a:bodyPr>
+          <a:lstStyle/>
+          <a:p>
+            <a:pPr>
+              <a:lnSpc>
+                <a:spcPts val="2531"/>
+              </a:lnSpc>
+            </a:pPr>
+            <a:r>
+              <a:rPr lang="en-US" sz="1807" spc="46" dirty="0">
+                <a:solidFill>
+                  <a:schemeClr val="bg1"/>
+                </a:solidFill>
+                <a:latin typeface="Barlow Medium Bold"/>
+              </a:rPr>
+              <a:t>Data, </a:t>
+            </a:r>
+            <a:r>
+              <a:rPr lang="en-US" sz="1807" spc="46" dirty="0">
+                <a:solidFill>
+                  <a:srgbClr val="F4652F"/>
+                </a:solidFill>
+                <a:latin typeface="Barlow Medium Bold"/>
+              </a:rPr>
+              <a:t>K</a:t>
+            </a:r>
+            <a:r>
+              <a:rPr lang="en-US" sz="1807" spc="46" dirty="0">
+                <a:solidFill>
+                  <a:schemeClr val="bg1"/>
+                </a:solidFill>
+                <a:latin typeface="Barlow Medium Bold"/>
+              </a:rPr>
+              <a:t>nowledge &amp; Web </a:t>
+            </a:r>
+          </a:p>
+        </p:txBody>
+      </p:sp>
+      <p:sp>
+        <p:nvSpPr>
+          <p:cNvPr id="5" name="TextBox 5"/>
+          <p:cNvSpPr txBox="1"/>
+          <p:nvPr/>
+        </p:nvSpPr>
+        <p:spPr>
+          <a:xfrm>
+            <a:off x="702591" y="2163749"/>
+            <a:ext cx="2434993" cy="286810"/>
+          </a:xfrm>
+          <a:prstGeom prst="rect">
+            <a:avLst/>
+          </a:prstGeom>
+        </p:spPr>
+        <p:txBody>
+          <a:bodyPr wrap="square" lIns="0" tIns="0" rIns="0" bIns="0" rtlCol="0" anchor="t">
+            <a:spAutoFit/>
+          </a:bodyPr>
+          <a:lstStyle/>
+          <a:p>
+            <a:pPr algn="r">
+              <a:lnSpc>
+                <a:spcPts val="2531"/>
+              </a:lnSpc>
+            </a:pPr>
+            <a:r>
+              <a:rPr lang="en-US" sz="1807" dirty="0">
+                <a:solidFill>
+                  <a:srgbClr val="F46530"/>
+                </a:solidFill>
+                <a:latin typeface="Barlow Medium Bold"/>
+              </a:rPr>
+              <a:t>ENGINEERING</a:t>
+            </a:r>
+          </a:p>
+        </p:txBody>
+      </p:sp>
+      <p:pic>
+        <p:nvPicPr>
+          <p:cNvPr id="6" name="Picture 6"/>
+          <p:cNvPicPr>
+            <a:picLocks noChangeAspect="1"/>
+          </p:cNvPicPr>
+          <p:nvPr/>
+        </p:nvPicPr>
+        <p:blipFill>
+          <a:blip r:embed="rId4">
+            <a:extLst>
+              <a:ext uri="{28A0092B-C50C-407E-A947-70E740481C1C}">
+                <a14:useLocalDpi xmlns:a14="http://schemas.microsoft.com/office/drawing/2010/main" val="0"/>
+              </a:ext>
+              <a:ext uri="{96DAC541-7B7A-43D3-8B79-37D633B846F1}">
+                <asvg:svgBlip xmlns:asvg="http://schemas.microsoft.com/office/drawing/2016/SVG/main" r:embed="rId5"/>
+              </a:ext>
+            </a:extLst>
+          </a:blip>
+          <a:srcRect/>
+          <a:stretch>
+            <a:fillRect/>
+          </a:stretch>
+        </p:blipFill>
+        <p:spPr>
+          <a:xfrm rot="2200091">
+            <a:off x="1426238" y="2198477"/>
+            <a:ext cx="248883" cy="251080"/>
+          </a:xfrm>
+          <a:prstGeom prst="rect">
+            <a:avLst/>
+          </a:prstGeom>
+        </p:spPr>
+      </p:pic>
+      <p:sp>
+        <p:nvSpPr>
+          <p:cNvPr id="8" name="TextBox 8"/>
+          <p:cNvSpPr txBox="1"/>
+          <p:nvPr/>
+        </p:nvSpPr>
+        <p:spPr>
+          <a:xfrm>
+            <a:off x="905041" y="2539734"/>
+            <a:ext cx="2457095" cy="286810"/>
+          </a:xfrm>
+          <a:prstGeom prst="rect">
+            <a:avLst/>
+          </a:prstGeom>
+        </p:spPr>
+        <p:txBody>
+          <a:bodyPr lIns="0" tIns="0" rIns="0" bIns="0" rtlCol="0" anchor="t">
+            <a:spAutoFit/>
+          </a:bodyPr>
+          <a:lstStyle/>
+          <a:p>
+            <a:pPr>
+              <a:lnSpc>
+                <a:spcPts val="2531"/>
+              </a:lnSpc>
+            </a:pPr>
+            <a:r>
+              <a:rPr lang="en-US" sz="1807" dirty="0">
+                <a:solidFill>
+                  <a:schemeClr val="bg1"/>
+                </a:solidFill>
+                <a:latin typeface="Barlow Medium Bold"/>
+              </a:rPr>
+              <a:t>AALBORG UNIVERSITET</a:t>
+            </a:r>
+          </a:p>
+        </p:txBody>
+      </p:sp>
+      <p:sp>
+        <p:nvSpPr>
+          <p:cNvPr id="9" name="AutoShape 9"/>
+          <p:cNvSpPr/>
+          <p:nvPr/>
+        </p:nvSpPr>
+        <p:spPr>
+          <a:xfrm>
+            <a:off x="520117" y="2532161"/>
+            <a:ext cx="2871792" cy="0"/>
+          </a:xfrm>
+          <a:prstGeom prst="line">
+            <a:avLst/>
+          </a:prstGeom>
+          <a:ln w="9525" cap="rnd">
+            <a:solidFill>
+              <a:srgbClr val="D9D9D9"/>
+            </a:solidFill>
+            <a:prstDash val="solid"/>
+            <a:headEnd type="none" w="sm" len="sm"/>
+            <a:tailEnd type="none" w="sm" len="sm"/>
+          </a:ln>
+        </p:spPr>
+      </p:sp>
+      <p:sp>
+        <p:nvSpPr>
+          <p:cNvPr id="10" name="AutoShape 10"/>
+          <p:cNvSpPr/>
+          <p:nvPr/>
+        </p:nvSpPr>
+        <p:spPr>
+          <a:xfrm>
+            <a:off x="520117" y="2871812"/>
+            <a:ext cx="2871792" cy="0"/>
+          </a:xfrm>
+          <a:prstGeom prst="line">
+            <a:avLst/>
+          </a:prstGeom>
+          <a:ln w="9525" cap="rnd">
+            <a:solidFill>
+              <a:srgbClr val="D9D9D9"/>
+            </a:solidFill>
+            <a:prstDash val="solid"/>
+            <a:headEnd type="none" w="sm" len="sm"/>
+            <a:tailEnd type="none" w="sm" len="sm"/>
+          </a:ln>
+        </p:spPr>
+      </p:sp>
+      <p:pic>
+        <p:nvPicPr>
+          <p:cNvPr id="1026" name="Picture 2">
+            <a:extLst>
+              <a:ext uri="{FF2B5EF4-FFF2-40B4-BE49-F238E27FC236}">
+                <a16:creationId xmlns:a16="http://schemas.microsoft.com/office/drawing/2014/main" id="{3997CAD9-D709-B46C-19A7-FBCA6B1AAB37}"/>
+              </a:ext>
+            </a:extLst>
+          </p:cNvPr>
+          <p:cNvPicPr>
+            <a:picLocks noChangeAspect="1" noChangeArrowheads="1"/>
+          </p:cNvPicPr>
+          <p:nvPr/>
+        </p:nvPicPr>
+        <p:blipFill rotWithShape="1">
+          <a:blip r:embed="rId6">
+            <a:extLst>
+              <a:ext uri="{28A0092B-C50C-407E-A947-70E740481C1C}">
+                <a14:useLocalDpi xmlns:a14="http://schemas.microsoft.com/office/drawing/2010/main" val="0"/>
+              </a:ext>
+            </a:extLst>
+          </a:blip>
+          <a:srcRect b="33463"/>
+          <a:stretch/>
+        </p:blipFill>
+        <p:spPr bwMode="auto">
+          <a:xfrm>
+            <a:off x="491590" y="2563522"/>
+            <a:ext cx="426302" cy="332078"/>
+          </a:xfrm>
+          <a:prstGeom prst="rect">
+            <a:avLst/>
+          </a:prstGeom>
+          <a:noFill/>
+          <a:extLst>
+            <a:ext uri="{909E8E84-426E-40DD-AFC4-6F175D3DCCD1}">
+              <a14:hiddenFill xmlns:a14="http://schemas.microsoft.com/office/drawing/2010/main">
+                <a:solidFill>
+                  <a:srgbClr val="FFFFFF"/>
+                </a:solidFill>
+              </a14:hiddenFill>
+            </a:ext>
+          </a:extLst>
+        </p:spPr>
+      </p:pic>
+    </p:spTree>
+    <p:extLst>
+      <p:ext uri="{BB962C8B-B14F-4D97-AF65-F5344CB8AC3E}">
+        <p14:creationId xmlns:p14="http://schemas.microsoft.com/office/powerpoint/2010/main" val="2349399127"/>
+      </p:ext>
+    </p:extLst>
+  </p:cSld>
+  <p:clrMapOvr>
+    <a:masterClrMapping/>
+  </p:clrMapOvr>
+</p:sld>
+</file>
+
 <file path=ppt/theme/theme1.xml><?xml version="1.0" encoding="utf-8"?>
 <a:theme xmlns:a="http://schemas.openxmlformats.org/drawingml/2006/main" name="Office Theme">
   <a:themeElements>
